--- a/P7 Docs/P7 Presentation.pptx
+++ b/P7 Docs/P7 Presentation.pptx
@@ -5,10 +5,10 @@
     <p:sldMasterId id="2147484728" r:id="rId1"/>
   </p:sldMasterIdLst>
   <p:notesMasterIdLst>
-    <p:notesMasterId r:id="rId16"/>
+    <p:notesMasterId r:id="rId17"/>
   </p:notesMasterIdLst>
   <p:handoutMasterIdLst>
-    <p:handoutMasterId r:id="rId17"/>
+    <p:handoutMasterId r:id="rId18"/>
   </p:handoutMasterIdLst>
   <p:sldIdLst>
     <p:sldId id="256" r:id="rId2"/>
@@ -25,6 +25,7 @@
     <p:sldId id="267" r:id="rId13"/>
     <p:sldId id="268" r:id="rId14"/>
     <p:sldId id="269" r:id="rId15"/>
+    <p:sldId id="270" r:id="rId16"/>
   </p:sldIdLst>
   <p:sldSz cx="9144000" cy="6858000" type="screen4x3"/>
   <p:notesSz cx="6858000" cy="9144000"/>
@@ -372,11 +373,11 @@
         </c:dLbls>
         <c:marker val="1"/>
         <c:smooth val="0"/>
-        <c:axId val="976613368"/>
-        <c:axId val="999853880"/>
+        <c:axId val="3006952"/>
+        <c:axId val="3012424"/>
       </c:lineChart>
       <c:catAx>
-        <c:axId val="976613368"/>
+        <c:axId val="3006952"/>
         <c:scaling>
           <c:orientation val="minMax"/>
         </c:scaling>
@@ -404,7 +405,7 @@
         <c:majorTickMark val="out"/>
         <c:minorTickMark val="none"/>
         <c:tickLblPos val="nextTo"/>
-        <c:crossAx val="999853880"/>
+        <c:crossAx val="3012424"/>
         <c:crosses val="autoZero"/>
         <c:auto val="1"/>
         <c:lblAlgn val="ctr"/>
@@ -412,7 +413,7 @@
         <c:noMultiLvlLbl val="0"/>
       </c:catAx>
       <c:valAx>
-        <c:axId val="999853880"/>
+        <c:axId val="3012424"/>
         <c:scaling>
           <c:orientation val="minMax"/>
         </c:scaling>
@@ -442,7 +443,7 @@
         <c:majorTickMark val="out"/>
         <c:minorTickMark val="none"/>
         <c:tickLblPos val="nextTo"/>
-        <c:crossAx val="976613368"/>
+        <c:crossAx val="3006952"/>
         <c:crosses val="autoZero"/>
         <c:crossBetween val="between"/>
       </c:valAx>
@@ -452,6 +453,205 @@
       <c:layout/>
       <c:overlay val="0"/>
     </c:legend>
+    <c:plotVisOnly val="1"/>
+    <c:dispBlanksAs val="gap"/>
+    <c:showDLblsOverMax val="0"/>
+  </c:chart>
+  <c:externalData r:id="rId1">
+    <c:autoUpdate val="0"/>
+  </c:externalData>
+</c:chartSpace>
+</file>
+
+<file path=ppt/charts/chart2.xml><?xml version="1.0" encoding="utf-8"?>
+<c:chartSpace xmlns:c="http://schemas.openxmlformats.org/drawingml/2006/chart" xmlns:a="http://schemas.openxmlformats.org/drawingml/2006/main" xmlns:r="http://schemas.openxmlformats.org/officeDocument/2006/relationships">
+  <c:date1904 val="0"/>
+  <c:lang val="en-US"/>
+  <c:roundedCorners val="0"/>
+  <mc:AlternateContent xmlns:mc="http://schemas.openxmlformats.org/markup-compatibility/2006">
+    <mc:Choice xmlns:c14="http://schemas.microsoft.com/office/drawing/2007/8/2/chart" Requires="c14">
+      <c14:style val="118"/>
+    </mc:Choice>
+    <mc:Fallback>
+      <c:style val="18"/>
+    </mc:Fallback>
+  </mc:AlternateContent>
+  <c:chart>
+    <c:title>
+      <c:tx>
+        <c:rich>
+          <a:bodyPr/>
+          <a:lstStyle/>
+          <a:p>
+            <a:pPr>
+              <a:defRPr/>
+            </a:pPr>
+            <a:r>
+              <a:rPr lang="en-US"/>
+              <a:t>Multi-Client Use</a:t>
+            </a:r>
+          </a:p>
+        </c:rich>
+      </c:tx>
+      <c:layout/>
+      <c:overlay val="0"/>
+    </c:title>
+    <c:autoTitleDeleted val="0"/>
+    <c:plotArea>
+      <c:layout>
+        <c:manualLayout>
+          <c:layoutTarget val="inner"/>
+          <c:xMode val="edge"/>
+          <c:yMode val="edge"/>
+          <c:x val="0.0931371078615173"/>
+          <c:y val="0.169444444444444"/>
+          <c:w val="0.888608923884514"/>
+          <c:h val="0.67160542432196"/>
+        </c:manualLayout>
+      </c:layout>
+      <c:lineChart>
+        <c:grouping val="standard"/>
+        <c:varyColors val="0"/>
+        <c:ser>
+          <c:idx val="0"/>
+          <c:order val="0"/>
+          <c:tx>
+            <c:strRef>
+              <c:f>Sheet1!$B$1</c:f>
+              <c:strCache>
+                <c:ptCount val="1"/>
+                <c:pt idx="0">
+                  <c:v>FPS</c:v>
+                </c:pt>
+              </c:strCache>
+            </c:strRef>
+          </c:tx>
+          <c:marker>
+            <c:symbol val="none"/>
+          </c:marker>
+          <c:val>
+            <c:numRef>
+              <c:f>Sheet1!$B$2:$B$8</c:f>
+              <c:numCache>
+                <c:formatCode>General</c:formatCode>
+                <c:ptCount val="7"/>
+                <c:pt idx="0">
+                  <c:v>42.0</c:v>
+                </c:pt>
+                <c:pt idx="1">
+                  <c:v>39.0</c:v>
+                </c:pt>
+                <c:pt idx="2">
+                  <c:v>38.0</c:v>
+                </c:pt>
+                <c:pt idx="3">
+                  <c:v>29.0</c:v>
+                </c:pt>
+                <c:pt idx="4">
+                  <c:v>36.0</c:v>
+                </c:pt>
+                <c:pt idx="5">
+                  <c:v>36.0</c:v>
+                </c:pt>
+                <c:pt idx="6">
+                  <c:v>35.0</c:v>
+                </c:pt>
+              </c:numCache>
+            </c:numRef>
+          </c:val>
+          <c:smooth val="0"/>
+        </c:ser>
+        <c:dLbls>
+          <c:showLegendKey val="0"/>
+          <c:showVal val="0"/>
+          <c:showCatName val="0"/>
+          <c:showSerName val="0"/>
+          <c:showPercent val="0"/>
+          <c:showBubbleSize val="0"/>
+        </c:dLbls>
+        <c:marker val="1"/>
+        <c:smooth val="0"/>
+        <c:axId val="514101064"/>
+        <c:axId val="514863608"/>
+      </c:lineChart>
+      <c:catAx>
+        <c:axId val="514101064"/>
+        <c:scaling>
+          <c:orientation val="minMax"/>
+        </c:scaling>
+        <c:delete val="0"/>
+        <c:axPos val="b"/>
+        <c:title>
+          <c:tx>
+            <c:rich>
+              <a:bodyPr/>
+              <a:lstStyle/>
+              <a:p>
+                <a:pPr>
+                  <a:defRPr/>
+                </a:pPr>
+                <a:r>
+                  <a:rPr lang="en-US"/>
+                  <a:t>Clients</a:t>
+                </a:r>
+              </a:p>
+            </c:rich>
+          </c:tx>
+          <c:layout/>
+          <c:overlay val="0"/>
+        </c:title>
+        <c:numFmt formatCode="General" sourceLinked="1"/>
+        <c:majorTickMark val="out"/>
+        <c:minorTickMark val="none"/>
+        <c:tickLblPos val="nextTo"/>
+        <c:crossAx val="514863608"/>
+        <c:crosses val="autoZero"/>
+        <c:auto val="1"/>
+        <c:lblAlgn val="ctr"/>
+        <c:lblOffset val="100"/>
+        <c:noMultiLvlLbl val="0"/>
+      </c:catAx>
+      <c:valAx>
+        <c:axId val="514863608"/>
+        <c:scaling>
+          <c:orientation val="minMax"/>
+        </c:scaling>
+        <c:delete val="0"/>
+        <c:axPos val="l"/>
+        <c:majorGridlines/>
+        <c:title>
+          <c:tx>
+            <c:rich>
+              <a:bodyPr rot="-5400000" vert="horz"/>
+              <a:lstStyle/>
+              <a:p>
+                <a:pPr>
+                  <a:defRPr/>
+                </a:pPr>
+                <a:r>
+                  <a:rPr lang="en-US"/>
+                  <a:t>Frames</a:t>
+                </a:r>
+                <a:r>
+                  <a:rPr lang="en-US" baseline="0"/>
+                  <a:t> Per Second</a:t>
+                </a:r>
+                <a:endParaRPr lang="en-US"/>
+              </a:p>
+            </c:rich>
+          </c:tx>
+          <c:layout/>
+          <c:overlay val="0"/>
+        </c:title>
+        <c:numFmt formatCode="General" sourceLinked="1"/>
+        <c:majorTickMark val="out"/>
+        <c:minorTickMark val="none"/>
+        <c:tickLblPos val="nextTo"/>
+        <c:crossAx val="514101064"/>
+        <c:crosses val="autoZero"/>
+        <c:crossBetween val="between"/>
+      </c:valAx>
+    </c:plotArea>
     <c:plotVisOnly val="1"/>
     <c:dispBlanksAs val="gap"/>
     <c:showDLblsOverMax val="0"/>
@@ -4703,7 +4903,12 @@
             <p:ph sz="quarter" idx="13"/>
           </p:nvPr>
         </p:nvSpPr>
-        <p:spPr/>
+        <p:spPr>
+          <a:xfrm>
+            <a:off x="609600" y="1600200"/>
+            <a:ext cx="7924800" cy="4114800"/>
+          </a:xfrm>
+        </p:spPr>
         <p:txBody>
           <a:bodyPr/>
           <a:lstStyle/>
@@ -4727,6 +4932,28 @@
             <a:endParaRPr lang="en-US" dirty="0" smtClean="0"/>
           </a:p>
           <a:p>
+            <a:r>
+              <a:rPr lang="en-US" dirty="0" smtClean="0"/>
+              <a:t>After Amortizing the cloth</a:t>
+            </a:r>
+          </a:p>
+          <a:p>
+            <a:pPr lvl="1"/>
+            <a:r>
+              <a:rPr lang="en-US" dirty="0" smtClean="0"/>
+              <a:t>Numerous cloth ran without hindrance to one another</a:t>
+            </a:r>
+          </a:p>
+          <a:p>
+            <a:pPr lvl="1"/>
+            <a:r>
+              <a:rPr lang="en-US" dirty="0" smtClean="0"/>
+              <a:t>Ram was the bottle neck for running multiple clients on one machine</a:t>
+            </a:r>
+            <a:r>
+              <a:rPr lang="en-US" dirty="0" smtClean="0"/>
+              <a:t> </a:t>
+            </a:r>
             <a:endParaRPr lang="en-US" dirty="0"/>
           </a:p>
         </p:txBody>
@@ -4740,18 +4967,40 @@
           <p:nvPr>
             <p:extLst>
               <p:ext uri="{D42A27DB-BD31-4B8C-83A1-F6EECF244321}">
-                <p14:modId xmlns:p14="http://schemas.microsoft.com/office/powerpoint/2010/main" val="248793608"/>
+                <p14:modId xmlns:p14="http://schemas.microsoft.com/office/powerpoint/2010/main" val="419944353"/>
               </p:ext>
             </p:extLst>
           </p:nvPr>
         </p:nvGraphicFramePr>
         <p:xfrm>
-          <a:off x="3474021" y="2057400"/>
-          <a:ext cx="4572000" cy="2743200"/>
+          <a:off x="2567217" y="1788746"/>
+          <a:ext cx="6477981" cy="3284945"/>
         </p:xfrm>
         <a:graphic>
           <a:graphicData uri="http://schemas.openxmlformats.org/drawingml/2006/chart">
             <c:chart xmlns:c="http://schemas.openxmlformats.org/drawingml/2006/chart" xmlns:r="http://schemas.openxmlformats.org/officeDocument/2006/relationships" r:id="rId2"/>
+          </a:graphicData>
+        </a:graphic>
+      </p:graphicFrame>
+      <p:graphicFrame>
+        <p:nvGraphicFramePr>
+          <p:cNvPr id="6" name="Chart 5"/>
+          <p:cNvGraphicFramePr/>
+          <p:nvPr>
+            <p:extLst>
+              <p:ext uri="{D42A27DB-BD31-4B8C-83A1-F6EECF244321}">
+                <p14:modId xmlns:p14="http://schemas.microsoft.com/office/powerpoint/2010/main" val="2106441948"/>
+              </p:ext>
+            </p:extLst>
+          </p:nvPr>
+        </p:nvGraphicFramePr>
+        <p:xfrm>
+          <a:off x="3570077" y="3423693"/>
+          <a:ext cx="4800600" cy="2743200"/>
+        </p:xfrm>
+        <a:graphic>
+          <a:graphicData uri="http://schemas.openxmlformats.org/drawingml/2006/chart">
+            <c:chart xmlns:c="http://schemas.openxmlformats.org/drawingml/2006/chart" xmlns:r="http://schemas.openxmlformats.org/officeDocument/2006/relationships" r:id="rId3"/>
           </a:graphicData>
         </a:graphic>
       </p:graphicFrame>
@@ -4828,15 +5077,33 @@
                                   </p:childTnLst>
                                 </p:cTn>
                               </p:par>
+                            </p:childTnLst>
+                          </p:cTn>
+                        </p:par>
+                      </p:childTnLst>
+                    </p:cTn>
+                  </p:par>
+                  <p:par>
+                    <p:cTn id="8" fill="hold">
+                      <p:stCondLst>
+                        <p:cond delay="indefinite"/>
+                      </p:stCondLst>
+                      <p:childTnLst>
+                        <p:par>
+                          <p:cTn id="9" fill="hold">
+                            <p:stCondLst>
+                              <p:cond delay="0"/>
+                            </p:stCondLst>
+                            <p:childTnLst>
                               <p:par>
-                                <p:cTn id="8" presetID="9" presetClass="entr" presetSubtype="0" fill="hold" grpId="0" nodeType="withEffect">
+                                <p:cTn id="10" presetID="9" presetClass="entr" presetSubtype="0" fill="hold" grpId="0" nodeType="clickEffect">
                                   <p:stCondLst>
                                     <p:cond delay="0"/>
                                   </p:stCondLst>
                                   <p:childTnLst>
                                     <p:set>
                                       <p:cBhvr>
-                                        <p:cTn id="9" dur="1" fill="hold">
+                                        <p:cTn id="11" dur="1" fill="hold">
                                           <p:stCondLst>
                                             <p:cond delay="0"/>
                                           </p:stCondLst>
@@ -4858,7 +5125,7 @@
                                     </p:set>
                                     <p:animEffect transition="in" filter="dissolve">
                                       <p:cBhvr>
-                                        <p:cTn id="10" dur="500"/>
+                                        <p:cTn id="12" dur="500"/>
                                         <p:tgtEl>
                                           <p:spTgt spid="4">
                                             <p:txEl>
@@ -4878,26 +5145,26 @@
                     </p:cTn>
                   </p:par>
                   <p:par>
-                    <p:cTn id="11" fill="hold">
+                    <p:cTn id="13" fill="hold">
                       <p:stCondLst>
                         <p:cond delay="indefinite"/>
                       </p:stCondLst>
                       <p:childTnLst>
                         <p:par>
-                          <p:cTn id="12" fill="hold">
+                          <p:cTn id="14" fill="hold">
                             <p:stCondLst>
                               <p:cond delay="0"/>
                             </p:stCondLst>
                             <p:childTnLst>
                               <p:par>
-                                <p:cTn id="13" presetID="9" presetClass="entr" presetSubtype="0" fill="hold" grpId="0" nodeType="clickEffect">
+                                <p:cTn id="15" presetID="9" presetClass="entr" presetSubtype="0" fill="hold" grpId="0" nodeType="clickEffect">
                                   <p:stCondLst>
                                     <p:cond delay="0"/>
                                   </p:stCondLst>
                                   <p:childTnLst>
                                     <p:set>
                                       <p:cBhvr>
-                                        <p:cTn id="14" dur="1" fill="hold">
+                                        <p:cTn id="16" dur="1" fill="hold">
                                           <p:stCondLst>
                                             <p:cond delay="0"/>
                                           </p:stCondLst>
@@ -4915,7 +5182,7 @@
                                     </p:set>
                                     <p:animEffect transition="in" filter="dissolve">
                                       <p:cBhvr>
-                                        <p:cTn id="15" dur="500"/>
+                                        <p:cTn id="17" dur="500"/>
                                         <p:tgtEl>
                                           <p:spTgt spid="5"/>
                                         </p:tgtEl>
@@ -4931,26 +5198,26 @@
                     </p:cTn>
                   </p:par>
                   <p:par>
-                    <p:cTn id="16" fill="hold">
+                    <p:cTn id="18" fill="hold">
                       <p:stCondLst>
                         <p:cond delay="indefinite"/>
                       </p:stCondLst>
                       <p:childTnLst>
                         <p:par>
-                          <p:cTn id="17" fill="hold">
+                          <p:cTn id="19" fill="hold">
                             <p:stCondLst>
                               <p:cond delay="0"/>
                             </p:stCondLst>
                             <p:childTnLst>
                               <p:par>
-                                <p:cTn id="18" presetID="9" presetClass="exit" presetSubtype="0" fill="hold" grpId="1" nodeType="clickEffect">
+                                <p:cTn id="20" presetID="9" presetClass="exit" presetSubtype="0" fill="hold" grpId="1" nodeType="clickEffect">
                                   <p:stCondLst>
                                     <p:cond delay="0"/>
                                   </p:stCondLst>
                                   <p:childTnLst>
                                     <p:animEffect transition="out" filter="dissolve">
                                       <p:cBhvr>
-                                        <p:cTn id="19" dur="500"/>
+                                        <p:cTn id="21" dur="500"/>
                                         <p:tgtEl>
                                           <p:spTgt spid="5"/>
                                         </p:tgtEl>
@@ -4958,7 +5225,7 @@
                                     </p:animEffect>
                                     <p:set>
                                       <p:cBhvr>
-                                        <p:cTn id="20" dur="1" fill="hold">
+                                        <p:cTn id="22" dur="1" fill="hold">
                                           <p:stCondLst>
                                             <p:cond delay="499"/>
                                           </p:stCondLst>
@@ -4974,6 +5241,242 @@
                                         <p:strVal val="hidden"/>
                                       </p:to>
                                     </p:set>
+                                  </p:childTnLst>
+                                </p:cTn>
+                              </p:par>
+                            </p:childTnLst>
+                          </p:cTn>
+                        </p:par>
+                      </p:childTnLst>
+                    </p:cTn>
+                  </p:par>
+                  <p:par>
+                    <p:cTn id="23" fill="hold">
+                      <p:stCondLst>
+                        <p:cond delay="indefinite"/>
+                      </p:stCondLst>
+                      <p:childTnLst>
+                        <p:par>
+                          <p:cTn id="24" fill="hold">
+                            <p:stCondLst>
+                              <p:cond delay="0"/>
+                            </p:stCondLst>
+                            <p:childTnLst>
+                              <p:par>
+                                <p:cTn id="25" presetID="9" presetClass="entr" presetSubtype="0" fill="hold" grpId="0" nodeType="clickEffect">
+                                  <p:stCondLst>
+                                    <p:cond delay="0"/>
+                                  </p:stCondLst>
+                                  <p:childTnLst>
+                                    <p:set>
+                                      <p:cBhvr>
+                                        <p:cTn id="26" dur="1" fill="hold">
+                                          <p:stCondLst>
+                                            <p:cond delay="0"/>
+                                          </p:stCondLst>
+                                        </p:cTn>
+                                        <p:tgtEl>
+                                          <p:spTgt spid="4">
+                                            <p:txEl>
+                                              <p:pRg st="2" end="2"/>
+                                            </p:txEl>
+                                          </p:spTgt>
+                                        </p:tgtEl>
+                                        <p:attrNameLst>
+                                          <p:attrName>style.visibility</p:attrName>
+                                        </p:attrNameLst>
+                                      </p:cBhvr>
+                                      <p:to>
+                                        <p:strVal val="visible"/>
+                                      </p:to>
+                                    </p:set>
+                                    <p:animEffect transition="in" filter="dissolve">
+                                      <p:cBhvr>
+                                        <p:cTn id="27" dur="500"/>
+                                        <p:tgtEl>
+                                          <p:spTgt spid="4">
+                                            <p:txEl>
+                                              <p:pRg st="2" end="2"/>
+                                            </p:txEl>
+                                          </p:spTgt>
+                                        </p:tgtEl>
+                                      </p:cBhvr>
+                                    </p:animEffect>
+                                  </p:childTnLst>
+                                </p:cTn>
+                              </p:par>
+                            </p:childTnLst>
+                          </p:cTn>
+                        </p:par>
+                      </p:childTnLst>
+                    </p:cTn>
+                  </p:par>
+                  <p:par>
+                    <p:cTn id="28" fill="hold">
+                      <p:stCondLst>
+                        <p:cond delay="indefinite"/>
+                      </p:stCondLst>
+                      <p:childTnLst>
+                        <p:par>
+                          <p:cTn id="29" fill="hold">
+                            <p:stCondLst>
+                              <p:cond delay="0"/>
+                            </p:stCondLst>
+                            <p:childTnLst>
+                              <p:par>
+                                <p:cTn id="30" presetID="9" presetClass="entr" presetSubtype="0" fill="hold" grpId="0" nodeType="clickEffect">
+                                  <p:stCondLst>
+                                    <p:cond delay="0"/>
+                                  </p:stCondLst>
+                                  <p:childTnLst>
+                                    <p:set>
+                                      <p:cBhvr>
+                                        <p:cTn id="31" dur="1" fill="hold">
+                                          <p:stCondLst>
+                                            <p:cond delay="0"/>
+                                          </p:stCondLst>
+                                        </p:cTn>
+                                        <p:tgtEl>
+                                          <p:spTgt spid="4">
+                                            <p:txEl>
+                                              <p:pRg st="3" end="3"/>
+                                            </p:txEl>
+                                          </p:spTgt>
+                                        </p:tgtEl>
+                                        <p:attrNameLst>
+                                          <p:attrName>style.visibility</p:attrName>
+                                        </p:attrNameLst>
+                                      </p:cBhvr>
+                                      <p:to>
+                                        <p:strVal val="visible"/>
+                                      </p:to>
+                                    </p:set>
+                                    <p:animEffect transition="in" filter="dissolve">
+                                      <p:cBhvr>
+                                        <p:cTn id="32" dur="500"/>
+                                        <p:tgtEl>
+                                          <p:spTgt spid="4">
+                                            <p:txEl>
+                                              <p:pRg st="3" end="3"/>
+                                            </p:txEl>
+                                          </p:spTgt>
+                                        </p:tgtEl>
+                                      </p:cBhvr>
+                                    </p:animEffect>
+                                  </p:childTnLst>
+                                </p:cTn>
+                              </p:par>
+                            </p:childTnLst>
+                          </p:cTn>
+                        </p:par>
+                      </p:childTnLst>
+                    </p:cTn>
+                  </p:par>
+                  <p:par>
+                    <p:cTn id="33" fill="hold">
+                      <p:stCondLst>
+                        <p:cond delay="indefinite"/>
+                      </p:stCondLst>
+                      <p:childTnLst>
+                        <p:par>
+                          <p:cTn id="34" fill="hold">
+                            <p:stCondLst>
+                              <p:cond delay="0"/>
+                            </p:stCondLst>
+                            <p:childTnLst>
+                              <p:par>
+                                <p:cTn id="35" presetID="9" presetClass="entr" presetSubtype="0" fill="hold" grpId="0" nodeType="clickEffect">
+                                  <p:stCondLst>
+                                    <p:cond delay="0"/>
+                                  </p:stCondLst>
+                                  <p:childTnLst>
+                                    <p:set>
+                                      <p:cBhvr>
+                                        <p:cTn id="36" dur="1" fill="hold">
+                                          <p:stCondLst>
+                                            <p:cond delay="0"/>
+                                          </p:stCondLst>
+                                        </p:cTn>
+                                        <p:tgtEl>
+                                          <p:spTgt spid="4">
+                                            <p:txEl>
+                                              <p:pRg st="4" end="4"/>
+                                            </p:txEl>
+                                          </p:spTgt>
+                                        </p:tgtEl>
+                                        <p:attrNameLst>
+                                          <p:attrName>style.visibility</p:attrName>
+                                        </p:attrNameLst>
+                                      </p:cBhvr>
+                                      <p:to>
+                                        <p:strVal val="visible"/>
+                                      </p:to>
+                                    </p:set>
+                                    <p:animEffect transition="in" filter="dissolve">
+                                      <p:cBhvr>
+                                        <p:cTn id="37" dur="500"/>
+                                        <p:tgtEl>
+                                          <p:spTgt spid="4">
+                                            <p:txEl>
+                                              <p:pRg st="4" end="4"/>
+                                            </p:txEl>
+                                          </p:spTgt>
+                                        </p:tgtEl>
+                                      </p:cBhvr>
+                                    </p:animEffect>
+                                  </p:childTnLst>
+                                </p:cTn>
+                              </p:par>
+                            </p:childTnLst>
+                          </p:cTn>
+                        </p:par>
+                      </p:childTnLst>
+                    </p:cTn>
+                  </p:par>
+                  <p:par>
+                    <p:cTn id="38" fill="hold">
+                      <p:stCondLst>
+                        <p:cond delay="indefinite"/>
+                      </p:stCondLst>
+                      <p:childTnLst>
+                        <p:par>
+                          <p:cTn id="39" fill="hold">
+                            <p:stCondLst>
+                              <p:cond delay="0"/>
+                            </p:stCondLst>
+                            <p:childTnLst>
+                              <p:par>
+                                <p:cTn id="40" presetID="9" presetClass="entr" presetSubtype="0" fill="hold" grpId="0" nodeType="clickEffect">
+                                  <p:stCondLst>
+                                    <p:cond delay="0"/>
+                                  </p:stCondLst>
+                                  <p:childTnLst>
+                                    <p:set>
+                                      <p:cBhvr>
+                                        <p:cTn id="41" dur="1" fill="hold">
+                                          <p:stCondLst>
+                                            <p:cond delay="0"/>
+                                          </p:stCondLst>
+                                        </p:cTn>
+                                        <p:tgtEl>
+                                          <p:spTgt spid="6"/>
+                                        </p:tgtEl>
+                                        <p:attrNameLst>
+                                          <p:attrName>style.visibility</p:attrName>
+                                        </p:attrNameLst>
+                                      </p:cBhvr>
+                                      <p:to>
+                                        <p:strVal val="visible"/>
+                                      </p:to>
+                                    </p:set>
+                                    <p:animEffect transition="in" filter="dissolve">
+                                      <p:cBhvr>
+                                        <p:cTn id="42" dur="500"/>
+                                        <p:tgtEl>
+                                          <p:spTgt spid="6"/>
+                                        </p:tgtEl>
+                                      </p:cBhvr>
+                                    </p:animEffect>
                                   </p:childTnLst>
                                 </p:cTn>
                               </p:par>
@@ -5005,11 +5508,14 @@
       </p:par>
     </p:tnLst>
     <p:bldLst>
-      <p:bldP spid="4" grpId="0" build="p"/>
-      <p:bldGraphic spid="5" grpId="0">
+      <p:bldP spid="4" grpId="0" uiExpand="1" build="p"/>
+      <p:bldGraphic spid="5" grpId="0" uiExpand="1">
         <p:bldAsOne/>
       </p:bldGraphic>
-      <p:bldGraphic spid="5" grpId="1">
+      <p:bldGraphic spid="5" grpId="1" uiExpand="1">
+        <p:bldAsOne/>
+      </p:bldGraphic>
+      <p:bldGraphic spid="6" grpId="0">
         <p:bldAsOne/>
       </p:bldGraphic>
     </p:bldLst>
@@ -5277,7 +5783,39 @@
           <a:bodyPr/>
           <a:lstStyle/>
           <a:p>
-            <a:endParaRPr lang="en-US"/>
+            <a:r>
+              <a:rPr lang="en-US" dirty="0" err="1" smtClean="0"/>
+              <a:t>Normals</a:t>
+            </a:r>
+            <a:r>
+              <a:rPr lang="en-US" dirty="0" smtClean="0"/>
+              <a:t> and lighting added to the scene</a:t>
+            </a:r>
+          </a:p>
+          <a:p>
+            <a:r>
+              <a:rPr lang="en-US" dirty="0" smtClean="0"/>
+              <a:t>Handshake improved upon (by transmitting global scene)</a:t>
+            </a:r>
+          </a:p>
+          <a:p>
+            <a:r>
+              <a:rPr lang="en-US" dirty="0" smtClean="0"/>
+              <a:t>Allow for multiple servers </a:t>
+            </a:r>
+          </a:p>
+          <a:p>
+            <a:pPr lvl="1"/>
+            <a:r>
+              <a:rPr lang="en-US" dirty="0" smtClean="0"/>
+              <a:t>Currently we are only able to have one server with many clients</a:t>
+            </a:r>
+          </a:p>
+          <a:p>
+            <a:pPr marL="457200" lvl="1" indent="0">
+              <a:buNone/>
+            </a:pPr>
+            <a:endParaRPr lang="en-US" dirty="0"/>
           </a:p>
         </p:txBody>
       </p:sp>
@@ -5294,9 +5832,279 @@
   <p:timing>
     <p:tnLst>
       <p:par>
-        <p:cTn xmlns:p14="http://schemas.microsoft.com/office/powerpoint/2010/main" id="1" dur="indefinite" restart="never" nodeType="tmRoot"/>
+        <p:cTn xmlns:p14="http://schemas.microsoft.com/office/powerpoint/2010/main" id="1" dur="indefinite" restart="never" nodeType="tmRoot">
+          <p:childTnLst>
+            <p:seq concurrent="1" nextAc="seek">
+              <p:cTn id="2" dur="indefinite" nodeType="mainSeq">
+                <p:childTnLst>
+                  <p:par>
+                    <p:cTn id="3" fill="hold">
+                      <p:stCondLst>
+                        <p:cond delay="indefinite"/>
+                      </p:stCondLst>
+                      <p:childTnLst>
+                        <p:par>
+                          <p:cTn id="4" fill="hold">
+                            <p:stCondLst>
+                              <p:cond delay="0"/>
+                            </p:stCondLst>
+                            <p:childTnLst>
+                              <p:par>
+                                <p:cTn id="5" presetID="9" presetClass="entr" presetSubtype="0" fill="hold" grpId="0" nodeType="clickEffect">
+                                  <p:stCondLst>
+                                    <p:cond delay="0"/>
+                                  </p:stCondLst>
+                                  <p:childTnLst>
+                                    <p:set>
+                                      <p:cBhvr>
+                                        <p:cTn id="6" dur="1" fill="hold">
+                                          <p:stCondLst>
+                                            <p:cond delay="0"/>
+                                          </p:stCondLst>
+                                        </p:cTn>
+                                        <p:tgtEl>
+                                          <p:spTgt spid="4">
+                                            <p:txEl>
+                                              <p:pRg st="0" end="0"/>
+                                            </p:txEl>
+                                          </p:spTgt>
+                                        </p:tgtEl>
+                                        <p:attrNameLst>
+                                          <p:attrName>style.visibility</p:attrName>
+                                        </p:attrNameLst>
+                                      </p:cBhvr>
+                                      <p:to>
+                                        <p:strVal val="visible"/>
+                                      </p:to>
+                                    </p:set>
+                                    <p:animEffect transition="in" filter="dissolve">
+                                      <p:cBhvr>
+                                        <p:cTn id="7" dur="500"/>
+                                        <p:tgtEl>
+                                          <p:spTgt spid="4">
+                                            <p:txEl>
+                                              <p:pRg st="0" end="0"/>
+                                            </p:txEl>
+                                          </p:spTgt>
+                                        </p:tgtEl>
+                                      </p:cBhvr>
+                                    </p:animEffect>
+                                  </p:childTnLst>
+                                </p:cTn>
+                              </p:par>
+                            </p:childTnLst>
+                          </p:cTn>
+                        </p:par>
+                      </p:childTnLst>
+                    </p:cTn>
+                  </p:par>
+                  <p:par>
+                    <p:cTn id="8" fill="hold">
+                      <p:stCondLst>
+                        <p:cond delay="indefinite"/>
+                      </p:stCondLst>
+                      <p:childTnLst>
+                        <p:par>
+                          <p:cTn id="9" fill="hold">
+                            <p:stCondLst>
+                              <p:cond delay="0"/>
+                            </p:stCondLst>
+                            <p:childTnLst>
+                              <p:par>
+                                <p:cTn id="10" presetID="9" presetClass="entr" presetSubtype="0" fill="hold" grpId="0" nodeType="clickEffect">
+                                  <p:stCondLst>
+                                    <p:cond delay="0"/>
+                                  </p:stCondLst>
+                                  <p:childTnLst>
+                                    <p:set>
+                                      <p:cBhvr>
+                                        <p:cTn id="11" dur="1" fill="hold">
+                                          <p:stCondLst>
+                                            <p:cond delay="0"/>
+                                          </p:stCondLst>
+                                        </p:cTn>
+                                        <p:tgtEl>
+                                          <p:spTgt spid="4">
+                                            <p:txEl>
+                                              <p:pRg st="1" end="1"/>
+                                            </p:txEl>
+                                          </p:spTgt>
+                                        </p:tgtEl>
+                                        <p:attrNameLst>
+                                          <p:attrName>style.visibility</p:attrName>
+                                        </p:attrNameLst>
+                                      </p:cBhvr>
+                                      <p:to>
+                                        <p:strVal val="visible"/>
+                                      </p:to>
+                                    </p:set>
+                                    <p:animEffect transition="in" filter="dissolve">
+                                      <p:cBhvr>
+                                        <p:cTn id="12" dur="500"/>
+                                        <p:tgtEl>
+                                          <p:spTgt spid="4">
+                                            <p:txEl>
+                                              <p:pRg st="1" end="1"/>
+                                            </p:txEl>
+                                          </p:spTgt>
+                                        </p:tgtEl>
+                                      </p:cBhvr>
+                                    </p:animEffect>
+                                  </p:childTnLst>
+                                </p:cTn>
+                              </p:par>
+                            </p:childTnLst>
+                          </p:cTn>
+                        </p:par>
+                      </p:childTnLst>
+                    </p:cTn>
+                  </p:par>
+                  <p:par>
+                    <p:cTn id="13" fill="hold">
+                      <p:stCondLst>
+                        <p:cond delay="indefinite"/>
+                      </p:stCondLst>
+                      <p:childTnLst>
+                        <p:par>
+                          <p:cTn id="14" fill="hold">
+                            <p:stCondLst>
+                              <p:cond delay="0"/>
+                            </p:stCondLst>
+                            <p:childTnLst>
+                              <p:par>
+                                <p:cTn id="15" presetID="9" presetClass="entr" presetSubtype="0" fill="hold" grpId="0" nodeType="clickEffect">
+                                  <p:stCondLst>
+                                    <p:cond delay="0"/>
+                                  </p:stCondLst>
+                                  <p:childTnLst>
+                                    <p:set>
+                                      <p:cBhvr>
+                                        <p:cTn id="16" dur="1" fill="hold">
+                                          <p:stCondLst>
+                                            <p:cond delay="0"/>
+                                          </p:stCondLst>
+                                        </p:cTn>
+                                        <p:tgtEl>
+                                          <p:spTgt spid="4">
+                                            <p:txEl>
+                                              <p:pRg st="2" end="2"/>
+                                            </p:txEl>
+                                          </p:spTgt>
+                                        </p:tgtEl>
+                                        <p:attrNameLst>
+                                          <p:attrName>style.visibility</p:attrName>
+                                        </p:attrNameLst>
+                                      </p:cBhvr>
+                                      <p:to>
+                                        <p:strVal val="visible"/>
+                                      </p:to>
+                                    </p:set>
+                                    <p:animEffect transition="in" filter="dissolve">
+                                      <p:cBhvr>
+                                        <p:cTn id="17" dur="500"/>
+                                        <p:tgtEl>
+                                          <p:spTgt spid="4">
+                                            <p:txEl>
+                                              <p:pRg st="2" end="2"/>
+                                            </p:txEl>
+                                          </p:spTgt>
+                                        </p:tgtEl>
+                                      </p:cBhvr>
+                                    </p:animEffect>
+                                  </p:childTnLst>
+                                </p:cTn>
+                              </p:par>
+                            </p:childTnLst>
+                          </p:cTn>
+                        </p:par>
+                      </p:childTnLst>
+                    </p:cTn>
+                  </p:par>
+                  <p:par>
+                    <p:cTn id="18" fill="hold">
+                      <p:stCondLst>
+                        <p:cond delay="indefinite"/>
+                      </p:stCondLst>
+                      <p:childTnLst>
+                        <p:par>
+                          <p:cTn id="19" fill="hold">
+                            <p:stCondLst>
+                              <p:cond delay="0"/>
+                            </p:stCondLst>
+                            <p:childTnLst>
+                              <p:par>
+                                <p:cTn id="20" presetID="9" presetClass="entr" presetSubtype="0" fill="hold" grpId="0" nodeType="clickEffect">
+                                  <p:stCondLst>
+                                    <p:cond delay="0"/>
+                                  </p:stCondLst>
+                                  <p:childTnLst>
+                                    <p:set>
+                                      <p:cBhvr>
+                                        <p:cTn id="21" dur="1" fill="hold">
+                                          <p:stCondLst>
+                                            <p:cond delay="0"/>
+                                          </p:stCondLst>
+                                        </p:cTn>
+                                        <p:tgtEl>
+                                          <p:spTgt spid="4">
+                                            <p:txEl>
+                                              <p:pRg st="3" end="3"/>
+                                            </p:txEl>
+                                          </p:spTgt>
+                                        </p:tgtEl>
+                                        <p:attrNameLst>
+                                          <p:attrName>style.visibility</p:attrName>
+                                        </p:attrNameLst>
+                                      </p:cBhvr>
+                                      <p:to>
+                                        <p:strVal val="visible"/>
+                                      </p:to>
+                                    </p:set>
+                                    <p:animEffect transition="in" filter="dissolve">
+                                      <p:cBhvr>
+                                        <p:cTn id="22" dur="500"/>
+                                        <p:tgtEl>
+                                          <p:spTgt spid="4">
+                                            <p:txEl>
+                                              <p:pRg st="3" end="3"/>
+                                            </p:txEl>
+                                          </p:spTgt>
+                                        </p:tgtEl>
+                                      </p:cBhvr>
+                                    </p:animEffect>
+                                  </p:childTnLst>
+                                </p:cTn>
+                              </p:par>
+                            </p:childTnLst>
+                          </p:cTn>
+                        </p:par>
+                      </p:childTnLst>
+                    </p:cTn>
+                  </p:par>
+                </p:childTnLst>
+              </p:cTn>
+              <p:prevCondLst>
+                <p:cond evt="onPrev" delay="0">
+                  <p:tgtEl>
+                    <p:sldTgt/>
+                  </p:tgtEl>
+                </p:cond>
+              </p:prevCondLst>
+              <p:nextCondLst>
+                <p:cond evt="onNext" delay="0">
+                  <p:tgtEl>
+                    <p:sldTgt/>
+                  </p:tgtEl>
+                </p:cond>
+              </p:nextCondLst>
+            </p:seq>
+          </p:childTnLst>
+        </p:cTn>
       </p:par>
     </p:tnLst>
+    <p:bldLst>
+      <p:bldP spid="4" grpId="0" uiExpand="1" build="p"/>
+    </p:bldLst>
   </p:timing>
 </p:sld>
 </file>
@@ -5336,7 +6144,7 @@
             <a:pPr algn="ctr"/>
             <a:r>
               <a:rPr lang="en-US" dirty="0" smtClean="0"/>
-              <a:t>Words to the weary</a:t>
+              <a:t>DEMO!!</a:t>
             </a:r>
             <a:endParaRPr lang="en-US" dirty="0"/>
           </a:p>
@@ -5381,20 +6189,118 @@
           <a:bodyPr/>
           <a:lstStyle/>
           <a:p>
-            <a:r>
-              <a:rPr lang="en-US" dirty="0" smtClean="0"/>
-              <a:t>Don’t use Boost unless you absolutely have to!!</a:t>
-            </a:r>
-          </a:p>
-          <a:p>
-            <a:endParaRPr lang="en-US" dirty="0"/>
+            <a:endParaRPr lang="en-US"/>
           </a:p>
         </p:txBody>
       </p:sp>
     </p:spTree>
     <p:extLst>
       <p:ext uri="{BB962C8B-B14F-4D97-AF65-F5344CB8AC3E}">
-        <p14:creationId xmlns:p14="http://schemas.microsoft.com/office/powerpoint/2010/main" val="1229768811"/>
+        <p14:creationId xmlns:p14="http://schemas.microsoft.com/office/powerpoint/2010/main" val="3982180123"/>
+      </p:ext>
+    </p:extLst>
+  </p:cSld>
+  <p:clrMapOvr>
+    <a:masterClrMapping/>
+  </p:clrMapOvr>
+  <p:timing>
+    <p:tnLst>
+      <p:par>
+        <p:cTn xmlns:p14="http://schemas.microsoft.com/office/powerpoint/2010/main" id="1" dur="indefinite" restart="never" nodeType="tmRoot"/>
+      </p:par>
+    </p:tnLst>
+  </p:timing>
+</p:sld>
+</file>
+
+<file path=ppt/slides/slide15.xml><?xml version="1.0" encoding="utf-8"?>
+<p:sld xmlns:a="http://schemas.openxmlformats.org/drawingml/2006/main" xmlns:r="http://schemas.openxmlformats.org/officeDocument/2006/relationships" xmlns:p="http://schemas.openxmlformats.org/presentationml/2006/main">
+  <p:cSld>
+    <p:spTree>
+      <p:nvGrpSpPr>
+        <p:cNvPr id="1" name=""/>
+        <p:cNvGrpSpPr/>
+        <p:nvPr/>
+      </p:nvGrpSpPr>
+      <p:grpSpPr>
+        <a:xfrm>
+          <a:off x="0" y="0"/>
+          <a:ext cx="0" cy="0"/>
+          <a:chOff x="0" y="0"/>
+          <a:chExt cx="0" cy="0"/>
+        </a:xfrm>
+      </p:grpSpPr>
+      <p:sp>
+        <p:nvSpPr>
+          <p:cNvPr id="2" name="Title 1"/>
+          <p:cNvSpPr>
+            <a:spLocks noGrp="1"/>
+          </p:cNvSpPr>
+          <p:nvPr>
+            <p:ph type="title"/>
+          </p:nvPr>
+        </p:nvSpPr>
+        <p:spPr/>
+        <p:txBody>
+          <a:bodyPr/>
+          <a:lstStyle/>
+          <a:p>
+            <a:pPr algn="ctr"/>
+            <a:r>
+              <a:rPr lang="en-US" smtClean="0"/>
+              <a:t>Questions?</a:t>
+            </a:r>
+            <a:endParaRPr lang="en-US"/>
+          </a:p>
+        </p:txBody>
+      </p:sp>
+      <p:sp>
+        <p:nvSpPr>
+          <p:cNvPr id="3" name="Slide Number Placeholder 2"/>
+          <p:cNvSpPr>
+            <a:spLocks noGrp="1"/>
+          </p:cNvSpPr>
+          <p:nvPr>
+            <p:ph type="sldNum" sz="quarter" idx="12"/>
+          </p:nvPr>
+        </p:nvSpPr>
+        <p:spPr/>
+        <p:txBody>
+          <a:bodyPr/>
+          <a:lstStyle/>
+          <a:p>
+            <a:fld id="{38237106-F2ED-405E-BC33-CC3CF426205F}" type="slidenum">
+              <a:rPr lang="en-US" smtClean="0"/>
+              <a:pPr/>
+              <a:t>15</a:t>
+            </a:fld>
+            <a:endParaRPr lang="en-US"/>
+          </a:p>
+        </p:txBody>
+      </p:sp>
+      <p:sp>
+        <p:nvSpPr>
+          <p:cNvPr id="4" name="Content Placeholder 3"/>
+          <p:cNvSpPr>
+            <a:spLocks noGrp="1"/>
+          </p:cNvSpPr>
+          <p:nvPr>
+            <p:ph sz="quarter" idx="13"/>
+          </p:nvPr>
+        </p:nvSpPr>
+        <p:spPr/>
+        <p:txBody>
+          <a:bodyPr/>
+          <a:lstStyle/>
+          <a:p>
+            <a:endParaRPr lang="en-US"/>
+          </a:p>
+        </p:txBody>
+      </p:sp>
+    </p:spTree>
+    <p:extLst>
+      <p:ext uri="{BB962C8B-B14F-4D97-AF65-F5344CB8AC3E}">
+        <p14:creationId xmlns:p14="http://schemas.microsoft.com/office/powerpoint/2010/main" val="252765334"/>
       </p:ext>
     </p:extLst>
   </p:cSld>
@@ -6533,9 +7439,340 @@
   <p:timing>
     <p:tnLst>
       <p:par>
-        <p:cTn xmlns:p14="http://schemas.microsoft.com/office/powerpoint/2010/main" id="1" dur="indefinite" restart="never" nodeType="tmRoot"/>
+        <p:cTn xmlns:p14="http://schemas.microsoft.com/office/powerpoint/2010/main" id="1" dur="indefinite" restart="never" nodeType="tmRoot">
+          <p:childTnLst>
+            <p:seq concurrent="1" nextAc="seek">
+              <p:cTn id="2" dur="indefinite" nodeType="mainSeq">
+                <p:childTnLst>
+                  <p:par>
+                    <p:cTn id="3" fill="hold">
+                      <p:stCondLst>
+                        <p:cond delay="indefinite"/>
+                      </p:stCondLst>
+                      <p:childTnLst>
+                        <p:par>
+                          <p:cTn id="4" fill="hold">
+                            <p:stCondLst>
+                              <p:cond delay="0"/>
+                            </p:stCondLst>
+                            <p:childTnLst>
+                              <p:par>
+                                <p:cTn id="5" presetID="9" presetClass="entr" presetSubtype="0" fill="hold" grpId="0" nodeType="clickEffect">
+                                  <p:stCondLst>
+                                    <p:cond delay="0"/>
+                                  </p:stCondLst>
+                                  <p:childTnLst>
+                                    <p:set>
+                                      <p:cBhvr>
+                                        <p:cTn id="6" dur="1" fill="hold">
+                                          <p:stCondLst>
+                                            <p:cond delay="0"/>
+                                          </p:stCondLst>
+                                        </p:cTn>
+                                        <p:tgtEl>
+                                          <p:spTgt spid="3">
+                                            <p:txEl>
+                                              <p:pRg st="0" end="0"/>
+                                            </p:txEl>
+                                          </p:spTgt>
+                                        </p:tgtEl>
+                                        <p:attrNameLst>
+                                          <p:attrName>style.visibility</p:attrName>
+                                        </p:attrNameLst>
+                                      </p:cBhvr>
+                                      <p:to>
+                                        <p:strVal val="visible"/>
+                                      </p:to>
+                                    </p:set>
+                                    <p:animEffect transition="in" filter="dissolve">
+                                      <p:cBhvr>
+                                        <p:cTn id="7" dur="500"/>
+                                        <p:tgtEl>
+                                          <p:spTgt spid="3">
+                                            <p:txEl>
+                                              <p:pRg st="0" end="0"/>
+                                            </p:txEl>
+                                          </p:spTgt>
+                                        </p:tgtEl>
+                                      </p:cBhvr>
+                                    </p:animEffect>
+                                  </p:childTnLst>
+                                </p:cTn>
+                              </p:par>
+                            </p:childTnLst>
+                          </p:cTn>
+                        </p:par>
+                      </p:childTnLst>
+                    </p:cTn>
+                  </p:par>
+                  <p:par>
+                    <p:cTn id="8" fill="hold">
+                      <p:stCondLst>
+                        <p:cond delay="indefinite"/>
+                      </p:stCondLst>
+                      <p:childTnLst>
+                        <p:par>
+                          <p:cTn id="9" fill="hold">
+                            <p:stCondLst>
+                              <p:cond delay="0"/>
+                            </p:stCondLst>
+                            <p:childTnLst>
+                              <p:par>
+                                <p:cTn id="10" presetID="9" presetClass="entr" presetSubtype="0" fill="hold" grpId="0" nodeType="clickEffect">
+                                  <p:stCondLst>
+                                    <p:cond delay="0"/>
+                                  </p:stCondLst>
+                                  <p:childTnLst>
+                                    <p:set>
+                                      <p:cBhvr>
+                                        <p:cTn id="11" dur="1" fill="hold">
+                                          <p:stCondLst>
+                                            <p:cond delay="0"/>
+                                          </p:stCondLst>
+                                        </p:cTn>
+                                        <p:tgtEl>
+                                          <p:spTgt spid="3">
+                                            <p:txEl>
+                                              <p:pRg st="1" end="1"/>
+                                            </p:txEl>
+                                          </p:spTgt>
+                                        </p:tgtEl>
+                                        <p:attrNameLst>
+                                          <p:attrName>style.visibility</p:attrName>
+                                        </p:attrNameLst>
+                                      </p:cBhvr>
+                                      <p:to>
+                                        <p:strVal val="visible"/>
+                                      </p:to>
+                                    </p:set>
+                                    <p:animEffect transition="in" filter="dissolve">
+                                      <p:cBhvr>
+                                        <p:cTn id="12" dur="500"/>
+                                        <p:tgtEl>
+                                          <p:spTgt spid="3">
+                                            <p:txEl>
+                                              <p:pRg st="1" end="1"/>
+                                            </p:txEl>
+                                          </p:spTgt>
+                                        </p:tgtEl>
+                                      </p:cBhvr>
+                                    </p:animEffect>
+                                  </p:childTnLst>
+                                </p:cTn>
+                              </p:par>
+                            </p:childTnLst>
+                          </p:cTn>
+                        </p:par>
+                      </p:childTnLst>
+                    </p:cTn>
+                  </p:par>
+                  <p:par>
+                    <p:cTn id="13" fill="hold">
+                      <p:stCondLst>
+                        <p:cond delay="indefinite"/>
+                      </p:stCondLst>
+                      <p:childTnLst>
+                        <p:par>
+                          <p:cTn id="14" fill="hold">
+                            <p:stCondLst>
+                              <p:cond delay="0"/>
+                            </p:stCondLst>
+                            <p:childTnLst>
+                              <p:par>
+                                <p:cTn id="15" presetID="9" presetClass="entr" presetSubtype="0" fill="hold" grpId="0" nodeType="clickEffect">
+                                  <p:stCondLst>
+                                    <p:cond delay="0"/>
+                                  </p:stCondLst>
+                                  <p:childTnLst>
+                                    <p:set>
+                                      <p:cBhvr>
+                                        <p:cTn id="16" dur="1" fill="hold">
+                                          <p:stCondLst>
+                                            <p:cond delay="0"/>
+                                          </p:stCondLst>
+                                        </p:cTn>
+                                        <p:tgtEl>
+                                          <p:spTgt spid="3">
+                                            <p:txEl>
+                                              <p:pRg st="2" end="2"/>
+                                            </p:txEl>
+                                          </p:spTgt>
+                                        </p:tgtEl>
+                                        <p:attrNameLst>
+                                          <p:attrName>style.visibility</p:attrName>
+                                        </p:attrNameLst>
+                                      </p:cBhvr>
+                                      <p:to>
+                                        <p:strVal val="visible"/>
+                                      </p:to>
+                                    </p:set>
+                                    <p:animEffect transition="in" filter="dissolve">
+                                      <p:cBhvr>
+                                        <p:cTn id="17" dur="500"/>
+                                        <p:tgtEl>
+                                          <p:spTgt spid="3">
+                                            <p:txEl>
+                                              <p:pRg st="2" end="2"/>
+                                            </p:txEl>
+                                          </p:spTgt>
+                                        </p:tgtEl>
+                                      </p:cBhvr>
+                                    </p:animEffect>
+                                  </p:childTnLst>
+                                </p:cTn>
+                              </p:par>
+                            </p:childTnLst>
+                          </p:cTn>
+                        </p:par>
+                      </p:childTnLst>
+                    </p:cTn>
+                  </p:par>
+                  <p:par>
+                    <p:cTn id="18" fill="hold">
+                      <p:stCondLst>
+                        <p:cond delay="indefinite"/>
+                      </p:stCondLst>
+                      <p:childTnLst>
+                        <p:par>
+                          <p:cTn id="19" fill="hold">
+                            <p:stCondLst>
+                              <p:cond delay="0"/>
+                            </p:stCondLst>
+                            <p:childTnLst>
+                              <p:par>
+                                <p:cTn id="20" presetID="9" presetClass="entr" presetSubtype="0" fill="hold" grpId="0" nodeType="clickEffect">
+                                  <p:stCondLst>
+                                    <p:cond delay="0"/>
+                                  </p:stCondLst>
+                                  <p:childTnLst>
+                                    <p:set>
+                                      <p:cBhvr>
+                                        <p:cTn id="21" dur="1" fill="hold">
+                                          <p:stCondLst>
+                                            <p:cond delay="0"/>
+                                          </p:stCondLst>
+                                        </p:cTn>
+                                        <p:tgtEl>
+                                          <p:spTgt spid="3">
+                                            <p:txEl>
+                                              <p:pRg st="3" end="3"/>
+                                            </p:txEl>
+                                          </p:spTgt>
+                                        </p:tgtEl>
+                                        <p:attrNameLst>
+                                          <p:attrName>style.visibility</p:attrName>
+                                        </p:attrNameLst>
+                                      </p:cBhvr>
+                                      <p:to>
+                                        <p:strVal val="visible"/>
+                                      </p:to>
+                                    </p:set>
+                                    <p:animEffect transition="in" filter="dissolve">
+                                      <p:cBhvr>
+                                        <p:cTn id="22" dur="500"/>
+                                        <p:tgtEl>
+                                          <p:spTgt spid="3">
+                                            <p:txEl>
+                                              <p:pRg st="3" end="3"/>
+                                            </p:txEl>
+                                          </p:spTgt>
+                                        </p:tgtEl>
+                                      </p:cBhvr>
+                                    </p:animEffect>
+                                  </p:childTnLst>
+                                </p:cTn>
+                              </p:par>
+                            </p:childTnLst>
+                          </p:cTn>
+                        </p:par>
+                      </p:childTnLst>
+                    </p:cTn>
+                  </p:par>
+                  <p:par>
+                    <p:cTn id="23" fill="hold">
+                      <p:stCondLst>
+                        <p:cond delay="indefinite"/>
+                      </p:stCondLst>
+                      <p:childTnLst>
+                        <p:par>
+                          <p:cTn id="24" fill="hold">
+                            <p:stCondLst>
+                              <p:cond delay="0"/>
+                            </p:stCondLst>
+                            <p:childTnLst>
+                              <p:par>
+                                <p:cTn id="25" presetID="9" presetClass="entr" presetSubtype="0" fill="hold" grpId="0" nodeType="clickEffect">
+                                  <p:stCondLst>
+                                    <p:cond delay="0"/>
+                                  </p:stCondLst>
+                                  <p:childTnLst>
+                                    <p:set>
+                                      <p:cBhvr>
+                                        <p:cTn id="26" dur="1" fill="hold">
+                                          <p:stCondLst>
+                                            <p:cond delay="0"/>
+                                          </p:stCondLst>
+                                        </p:cTn>
+                                        <p:tgtEl>
+                                          <p:spTgt spid="3">
+                                            <p:txEl>
+                                              <p:pRg st="4" end="4"/>
+                                            </p:txEl>
+                                          </p:spTgt>
+                                        </p:tgtEl>
+                                        <p:attrNameLst>
+                                          <p:attrName>style.visibility</p:attrName>
+                                        </p:attrNameLst>
+                                      </p:cBhvr>
+                                      <p:to>
+                                        <p:strVal val="visible"/>
+                                      </p:to>
+                                    </p:set>
+                                    <p:animEffect transition="in" filter="dissolve">
+                                      <p:cBhvr>
+                                        <p:cTn id="27" dur="500"/>
+                                        <p:tgtEl>
+                                          <p:spTgt spid="3">
+                                            <p:txEl>
+                                              <p:pRg st="4" end="4"/>
+                                            </p:txEl>
+                                          </p:spTgt>
+                                        </p:tgtEl>
+                                      </p:cBhvr>
+                                    </p:animEffect>
+                                  </p:childTnLst>
+                                </p:cTn>
+                              </p:par>
+                            </p:childTnLst>
+                          </p:cTn>
+                        </p:par>
+                      </p:childTnLst>
+                    </p:cTn>
+                  </p:par>
+                </p:childTnLst>
+              </p:cTn>
+              <p:prevCondLst>
+                <p:cond evt="onPrev" delay="0">
+                  <p:tgtEl>
+                    <p:sldTgt/>
+                  </p:tgtEl>
+                </p:cond>
+              </p:prevCondLst>
+              <p:nextCondLst>
+                <p:cond evt="onNext" delay="0">
+                  <p:tgtEl>
+                    <p:sldTgt/>
+                  </p:tgtEl>
+                </p:cond>
+              </p:nextCondLst>
+            </p:seq>
+          </p:childTnLst>
+        </p:cTn>
       </p:par>
     </p:tnLst>
+    <p:bldLst>
+      <p:bldP spid="3" grpId="0" uiExpand="1" build="p"/>
+    </p:bldLst>
   </p:timing>
 </p:sld>
 </file>
@@ -6792,6 +8029,37 @@
           <a:bodyPr/>
           <a:lstStyle/>
           <a:p>
+            <a:r>
+              <a:rPr lang="en-US" dirty="0" smtClean="0"/>
+              <a:t>Scene with multiple flag simulations</a:t>
+            </a:r>
+          </a:p>
+          <a:p>
+            <a:r>
+              <a:rPr lang="en-US" dirty="0" smtClean="0"/>
+              <a:t>Texturing and Vertices using VBOs</a:t>
+            </a:r>
+          </a:p>
+          <a:p>
+            <a:r>
+              <a:rPr lang="en-US" dirty="0" smtClean="0"/>
+              <a:t>Multi-client functionality</a:t>
+            </a:r>
+          </a:p>
+          <a:p>
+            <a:r>
+              <a:rPr lang="en-US" dirty="0" smtClean="0"/>
+              <a:t>Multi-server functionality</a:t>
+            </a:r>
+          </a:p>
+          <a:p>
+            <a:r>
+              <a:rPr lang="en-US" dirty="0" smtClean="0"/>
+              <a:t>Realism</a:t>
+            </a:r>
+            <a:endParaRPr lang="en-US" dirty="0" smtClean="0"/>
+          </a:p>
+          <a:p>
             <a:endParaRPr lang="en-US" dirty="0"/>
           </a:p>
         </p:txBody>
@@ -6809,9 +8077,340 @@
   <p:timing>
     <p:tnLst>
       <p:par>
-        <p:cTn xmlns:p14="http://schemas.microsoft.com/office/powerpoint/2010/main" id="1" dur="indefinite" restart="never" nodeType="tmRoot"/>
+        <p:cTn xmlns:p14="http://schemas.microsoft.com/office/powerpoint/2010/main" id="1" dur="indefinite" restart="never" nodeType="tmRoot">
+          <p:childTnLst>
+            <p:seq concurrent="1" nextAc="seek">
+              <p:cTn id="2" dur="indefinite" nodeType="mainSeq">
+                <p:childTnLst>
+                  <p:par>
+                    <p:cTn id="3" fill="hold">
+                      <p:stCondLst>
+                        <p:cond delay="indefinite"/>
+                      </p:stCondLst>
+                      <p:childTnLst>
+                        <p:par>
+                          <p:cTn id="4" fill="hold">
+                            <p:stCondLst>
+                              <p:cond delay="0"/>
+                            </p:stCondLst>
+                            <p:childTnLst>
+                              <p:par>
+                                <p:cTn id="5" presetID="9" presetClass="entr" presetSubtype="0" fill="hold" grpId="0" nodeType="clickEffect">
+                                  <p:stCondLst>
+                                    <p:cond delay="0"/>
+                                  </p:stCondLst>
+                                  <p:childTnLst>
+                                    <p:set>
+                                      <p:cBhvr>
+                                        <p:cTn id="6" dur="1" fill="hold">
+                                          <p:stCondLst>
+                                            <p:cond delay="0"/>
+                                          </p:stCondLst>
+                                        </p:cTn>
+                                        <p:tgtEl>
+                                          <p:spTgt spid="4">
+                                            <p:txEl>
+                                              <p:pRg st="0" end="0"/>
+                                            </p:txEl>
+                                          </p:spTgt>
+                                        </p:tgtEl>
+                                        <p:attrNameLst>
+                                          <p:attrName>style.visibility</p:attrName>
+                                        </p:attrNameLst>
+                                      </p:cBhvr>
+                                      <p:to>
+                                        <p:strVal val="visible"/>
+                                      </p:to>
+                                    </p:set>
+                                    <p:animEffect transition="in" filter="dissolve">
+                                      <p:cBhvr>
+                                        <p:cTn id="7" dur="500"/>
+                                        <p:tgtEl>
+                                          <p:spTgt spid="4">
+                                            <p:txEl>
+                                              <p:pRg st="0" end="0"/>
+                                            </p:txEl>
+                                          </p:spTgt>
+                                        </p:tgtEl>
+                                      </p:cBhvr>
+                                    </p:animEffect>
+                                  </p:childTnLst>
+                                </p:cTn>
+                              </p:par>
+                            </p:childTnLst>
+                          </p:cTn>
+                        </p:par>
+                      </p:childTnLst>
+                    </p:cTn>
+                  </p:par>
+                  <p:par>
+                    <p:cTn id="8" fill="hold">
+                      <p:stCondLst>
+                        <p:cond delay="indefinite"/>
+                      </p:stCondLst>
+                      <p:childTnLst>
+                        <p:par>
+                          <p:cTn id="9" fill="hold">
+                            <p:stCondLst>
+                              <p:cond delay="0"/>
+                            </p:stCondLst>
+                            <p:childTnLst>
+                              <p:par>
+                                <p:cTn id="10" presetID="9" presetClass="entr" presetSubtype="0" fill="hold" grpId="0" nodeType="clickEffect">
+                                  <p:stCondLst>
+                                    <p:cond delay="0"/>
+                                  </p:stCondLst>
+                                  <p:childTnLst>
+                                    <p:set>
+                                      <p:cBhvr>
+                                        <p:cTn id="11" dur="1" fill="hold">
+                                          <p:stCondLst>
+                                            <p:cond delay="0"/>
+                                          </p:stCondLst>
+                                        </p:cTn>
+                                        <p:tgtEl>
+                                          <p:spTgt spid="4">
+                                            <p:txEl>
+                                              <p:pRg st="1" end="1"/>
+                                            </p:txEl>
+                                          </p:spTgt>
+                                        </p:tgtEl>
+                                        <p:attrNameLst>
+                                          <p:attrName>style.visibility</p:attrName>
+                                        </p:attrNameLst>
+                                      </p:cBhvr>
+                                      <p:to>
+                                        <p:strVal val="visible"/>
+                                      </p:to>
+                                    </p:set>
+                                    <p:animEffect transition="in" filter="dissolve">
+                                      <p:cBhvr>
+                                        <p:cTn id="12" dur="500"/>
+                                        <p:tgtEl>
+                                          <p:spTgt spid="4">
+                                            <p:txEl>
+                                              <p:pRg st="1" end="1"/>
+                                            </p:txEl>
+                                          </p:spTgt>
+                                        </p:tgtEl>
+                                      </p:cBhvr>
+                                    </p:animEffect>
+                                  </p:childTnLst>
+                                </p:cTn>
+                              </p:par>
+                            </p:childTnLst>
+                          </p:cTn>
+                        </p:par>
+                      </p:childTnLst>
+                    </p:cTn>
+                  </p:par>
+                  <p:par>
+                    <p:cTn id="13" fill="hold">
+                      <p:stCondLst>
+                        <p:cond delay="indefinite"/>
+                      </p:stCondLst>
+                      <p:childTnLst>
+                        <p:par>
+                          <p:cTn id="14" fill="hold">
+                            <p:stCondLst>
+                              <p:cond delay="0"/>
+                            </p:stCondLst>
+                            <p:childTnLst>
+                              <p:par>
+                                <p:cTn id="15" presetID="9" presetClass="entr" presetSubtype="0" fill="hold" grpId="0" nodeType="clickEffect">
+                                  <p:stCondLst>
+                                    <p:cond delay="0"/>
+                                  </p:stCondLst>
+                                  <p:childTnLst>
+                                    <p:set>
+                                      <p:cBhvr>
+                                        <p:cTn id="16" dur="1" fill="hold">
+                                          <p:stCondLst>
+                                            <p:cond delay="0"/>
+                                          </p:stCondLst>
+                                        </p:cTn>
+                                        <p:tgtEl>
+                                          <p:spTgt spid="4">
+                                            <p:txEl>
+                                              <p:pRg st="2" end="2"/>
+                                            </p:txEl>
+                                          </p:spTgt>
+                                        </p:tgtEl>
+                                        <p:attrNameLst>
+                                          <p:attrName>style.visibility</p:attrName>
+                                        </p:attrNameLst>
+                                      </p:cBhvr>
+                                      <p:to>
+                                        <p:strVal val="visible"/>
+                                      </p:to>
+                                    </p:set>
+                                    <p:animEffect transition="in" filter="dissolve">
+                                      <p:cBhvr>
+                                        <p:cTn id="17" dur="500"/>
+                                        <p:tgtEl>
+                                          <p:spTgt spid="4">
+                                            <p:txEl>
+                                              <p:pRg st="2" end="2"/>
+                                            </p:txEl>
+                                          </p:spTgt>
+                                        </p:tgtEl>
+                                      </p:cBhvr>
+                                    </p:animEffect>
+                                  </p:childTnLst>
+                                </p:cTn>
+                              </p:par>
+                            </p:childTnLst>
+                          </p:cTn>
+                        </p:par>
+                      </p:childTnLst>
+                    </p:cTn>
+                  </p:par>
+                  <p:par>
+                    <p:cTn id="18" fill="hold">
+                      <p:stCondLst>
+                        <p:cond delay="indefinite"/>
+                      </p:stCondLst>
+                      <p:childTnLst>
+                        <p:par>
+                          <p:cTn id="19" fill="hold">
+                            <p:stCondLst>
+                              <p:cond delay="0"/>
+                            </p:stCondLst>
+                            <p:childTnLst>
+                              <p:par>
+                                <p:cTn id="20" presetID="9" presetClass="entr" presetSubtype="0" fill="hold" grpId="0" nodeType="clickEffect">
+                                  <p:stCondLst>
+                                    <p:cond delay="0"/>
+                                  </p:stCondLst>
+                                  <p:childTnLst>
+                                    <p:set>
+                                      <p:cBhvr>
+                                        <p:cTn id="21" dur="1" fill="hold">
+                                          <p:stCondLst>
+                                            <p:cond delay="0"/>
+                                          </p:stCondLst>
+                                        </p:cTn>
+                                        <p:tgtEl>
+                                          <p:spTgt spid="4">
+                                            <p:txEl>
+                                              <p:pRg st="3" end="3"/>
+                                            </p:txEl>
+                                          </p:spTgt>
+                                        </p:tgtEl>
+                                        <p:attrNameLst>
+                                          <p:attrName>style.visibility</p:attrName>
+                                        </p:attrNameLst>
+                                      </p:cBhvr>
+                                      <p:to>
+                                        <p:strVal val="visible"/>
+                                      </p:to>
+                                    </p:set>
+                                    <p:animEffect transition="in" filter="dissolve">
+                                      <p:cBhvr>
+                                        <p:cTn id="22" dur="500"/>
+                                        <p:tgtEl>
+                                          <p:spTgt spid="4">
+                                            <p:txEl>
+                                              <p:pRg st="3" end="3"/>
+                                            </p:txEl>
+                                          </p:spTgt>
+                                        </p:tgtEl>
+                                      </p:cBhvr>
+                                    </p:animEffect>
+                                  </p:childTnLst>
+                                </p:cTn>
+                              </p:par>
+                            </p:childTnLst>
+                          </p:cTn>
+                        </p:par>
+                      </p:childTnLst>
+                    </p:cTn>
+                  </p:par>
+                  <p:par>
+                    <p:cTn id="23" fill="hold">
+                      <p:stCondLst>
+                        <p:cond delay="indefinite"/>
+                      </p:stCondLst>
+                      <p:childTnLst>
+                        <p:par>
+                          <p:cTn id="24" fill="hold">
+                            <p:stCondLst>
+                              <p:cond delay="0"/>
+                            </p:stCondLst>
+                            <p:childTnLst>
+                              <p:par>
+                                <p:cTn id="25" presetID="9" presetClass="entr" presetSubtype="0" fill="hold" grpId="0" nodeType="clickEffect">
+                                  <p:stCondLst>
+                                    <p:cond delay="0"/>
+                                  </p:stCondLst>
+                                  <p:childTnLst>
+                                    <p:set>
+                                      <p:cBhvr>
+                                        <p:cTn id="26" dur="1" fill="hold">
+                                          <p:stCondLst>
+                                            <p:cond delay="0"/>
+                                          </p:stCondLst>
+                                        </p:cTn>
+                                        <p:tgtEl>
+                                          <p:spTgt spid="4">
+                                            <p:txEl>
+                                              <p:pRg st="4" end="4"/>
+                                            </p:txEl>
+                                          </p:spTgt>
+                                        </p:tgtEl>
+                                        <p:attrNameLst>
+                                          <p:attrName>style.visibility</p:attrName>
+                                        </p:attrNameLst>
+                                      </p:cBhvr>
+                                      <p:to>
+                                        <p:strVal val="visible"/>
+                                      </p:to>
+                                    </p:set>
+                                    <p:animEffect transition="in" filter="dissolve">
+                                      <p:cBhvr>
+                                        <p:cTn id="27" dur="500"/>
+                                        <p:tgtEl>
+                                          <p:spTgt spid="4">
+                                            <p:txEl>
+                                              <p:pRg st="4" end="4"/>
+                                            </p:txEl>
+                                          </p:spTgt>
+                                        </p:tgtEl>
+                                      </p:cBhvr>
+                                    </p:animEffect>
+                                  </p:childTnLst>
+                                </p:cTn>
+                              </p:par>
+                            </p:childTnLst>
+                          </p:cTn>
+                        </p:par>
+                      </p:childTnLst>
+                    </p:cTn>
+                  </p:par>
+                </p:childTnLst>
+              </p:cTn>
+              <p:prevCondLst>
+                <p:cond evt="onPrev" delay="0">
+                  <p:tgtEl>
+                    <p:sldTgt/>
+                  </p:tgtEl>
+                </p:cond>
+              </p:prevCondLst>
+              <p:nextCondLst>
+                <p:cond evt="onNext" delay="0">
+                  <p:tgtEl>
+                    <p:sldTgt/>
+                  </p:tgtEl>
+                </p:cond>
+              </p:nextCondLst>
+            </p:seq>
+          </p:childTnLst>
+        </p:cTn>
       </p:par>
     </p:tnLst>
+    <p:bldLst>
+      <p:bldP spid="4" grpId="0" build="p"/>
+    </p:bldLst>
   </p:timing>
 </p:sld>
 </file>
@@ -7068,7 +8667,56 @@
           <a:bodyPr/>
           <a:lstStyle/>
           <a:p>
-            <a:endParaRPr lang="en-US"/>
+            <a:r>
+              <a:rPr lang="en-US" dirty="0" smtClean="0"/>
+              <a:t>Backend machine(s) running cloth simulation</a:t>
+            </a:r>
+          </a:p>
+          <a:p>
+            <a:pPr lvl="1"/>
+            <a:r>
+              <a:rPr lang="en-US" dirty="0" smtClean="0"/>
+              <a:t>Time steps in background as well</a:t>
+            </a:r>
+          </a:p>
+          <a:p>
+            <a:pPr lvl="1"/>
+            <a:r>
+              <a:rPr lang="en-US" dirty="0" smtClean="0"/>
+              <a:t>Responsible for actual simulation</a:t>
+            </a:r>
+          </a:p>
+          <a:p>
+            <a:r>
+              <a:rPr lang="en-US" dirty="0" smtClean="0"/>
+              <a:t>Frontend machine(s) rendering scene</a:t>
+            </a:r>
+          </a:p>
+          <a:p>
+            <a:pPr lvl="1"/>
+            <a:r>
+              <a:rPr lang="en-US" dirty="0" smtClean="0"/>
+              <a:t>Requests initial data such as global scene, textures etc…</a:t>
+            </a:r>
+          </a:p>
+          <a:p>
+            <a:pPr lvl="1"/>
+            <a:r>
+              <a:rPr lang="en-US" dirty="0" smtClean="0"/>
+              <a:t>Each frame requests the most recent time step from the backend</a:t>
+            </a:r>
+          </a:p>
+          <a:p>
+            <a:pPr lvl="1"/>
+            <a:r>
+              <a:rPr lang="en-US" dirty="0" smtClean="0"/>
+              <a:t>Completely independent view of other clients</a:t>
+            </a:r>
+            <a:r>
+              <a:rPr lang="en-US" dirty="0"/>
+              <a:t>	</a:t>
+            </a:r>
+            <a:endParaRPr lang="en-US" dirty="0" smtClean="0"/>
           </a:p>
         </p:txBody>
       </p:sp>
@@ -7085,9 +8733,462 @@
   <p:timing>
     <p:tnLst>
       <p:par>
-        <p:cTn xmlns:p14="http://schemas.microsoft.com/office/powerpoint/2010/main" id="1" dur="indefinite" restart="never" nodeType="tmRoot"/>
+        <p:cTn xmlns:p14="http://schemas.microsoft.com/office/powerpoint/2010/main" id="1" dur="indefinite" restart="never" nodeType="tmRoot">
+          <p:childTnLst>
+            <p:seq concurrent="1" nextAc="seek">
+              <p:cTn id="2" dur="indefinite" nodeType="mainSeq">
+                <p:childTnLst>
+                  <p:par>
+                    <p:cTn id="3" fill="hold">
+                      <p:stCondLst>
+                        <p:cond delay="indefinite"/>
+                      </p:stCondLst>
+                      <p:childTnLst>
+                        <p:par>
+                          <p:cTn id="4" fill="hold">
+                            <p:stCondLst>
+                              <p:cond delay="0"/>
+                            </p:stCondLst>
+                            <p:childTnLst>
+                              <p:par>
+                                <p:cTn id="5" presetID="9" presetClass="entr" presetSubtype="0" fill="hold" grpId="0" nodeType="clickEffect">
+                                  <p:stCondLst>
+                                    <p:cond delay="0"/>
+                                  </p:stCondLst>
+                                  <p:childTnLst>
+                                    <p:set>
+                                      <p:cBhvr>
+                                        <p:cTn id="6" dur="1" fill="hold">
+                                          <p:stCondLst>
+                                            <p:cond delay="0"/>
+                                          </p:stCondLst>
+                                        </p:cTn>
+                                        <p:tgtEl>
+                                          <p:spTgt spid="4">
+                                            <p:txEl>
+                                              <p:pRg st="0" end="0"/>
+                                            </p:txEl>
+                                          </p:spTgt>
+                                        </p:tgtEl>
+                                        <p:attrNameLst>
+                                          <p:attrName>style.visibility</p:attrName>
+                                        </p:attrNameLst>
+                                      </p:cBhvr>
+                                      <p:to>
+                                        <p:strVal val="visible"/>
+                                      </p:to>
+                                    </p:set>
+                                    <p:animEffect transition="in" filter="dissolve">
+                                      <p:cBhvr>
+                                        <p:cTn id="7" dur="500"/>
+                                        <p:tgtEl>
+                                          <p:spTgt spid="4">
+                                            <p:txEl>
+                                              <p:pRg st="0" end="0"/>
+                                            </p:txEl>
+                                          </p:spTgt>
+                                        </p:tgtEl>
+                                      </p:cBhvr>
+                                    </p:animEffect>
+                                  </p:childTnLst>
+                                </p:cTn>
+                              </p:par>
+                            </p:childTnLst>
+                          </p:cTn>
+                        </p:par>
+                      </p:childTnLst>
+                    </p:cTn>
+                  </p:par>
+                  <p:par>
+                    <p:cTn id="8" fill="hold">
+                      <p:stCondLst>
+                        <p:cond delay="indefinite"/>
+                      </p:stCondLst>
+                      <p:childTnLst>
+                        <p:par>
+                          <p:cTn id="9" fill="hold">
+                            <p:stCondLst>
+                              <p:cond delay="0"/>
+                            </p:stCondLst>
+                            <p:childTnLst>
+                              <p:par>
+                                <p:cTn id="10" presetID="9" presetClass="entr" presetSubtype="0" fill="hold" grpId="0" nodeType="clickEffect">
+                                  <p:stCondLst>
+                                    <p:cond delay="0"/>
+                                  </p:stCondLst>
+                                  <p:childTnLst>
+                                    <p:set>
+                                      <p:cBhvr>
+                                        <p:cTn id="11" dur="1" fill="hold">
+                                          <p:stCondLst>
+                                            <p:cond delay="0"/>
+                                          </p:stCondLst>
+                                        </p:cTn>
+                                        <p:tgtEl>
+                                          <p:spTgt spid="4">
+                                            <p:txEl>
+                                              <p:pRg st="1" end="1"/>
+                                            </p:txEl>
+                                          </p:spTgt>
+                                        </p:tgtEl>
+                                        <p:attrNameLst>
+                                          <p:attrName>style.visibility</p:attrName>
+                                        </p:attrNameLst>
+                                      </p:cBhvr>
+                                      <p:to>
+                                        <p:strVal val="visible"/>
+                                      </p:to>
+                                    </p:set>
+                                    <p:animEffect transition="in" filter="dissolve">
+                                      <p:cBhvr>
+                                        <p:cTn id="12" dur="500"/>
+                                        <p:tgtEl>
+                                          <p:spTgt spid="4">
+                                            <p:txEl>
+                                              <p:pRg st="1" end="1"/>
+                                            </p:txEl>
+                                          </p:spTgt>
+                                        </p:tgtEl>
+                                      </p:cBhvr>
+                                    </p:animEffect>
+                                  </p:childTnLst>
+                                </p:cTn>
+                              </p:par>
+                            </p:childTnLst>
+                          </p:cTn>
+                        </p:par>
+                      </p:childTnLst>
+                    </p:cTn>
+                  </p:par>
+                  <p:par>
+                    <p:cTn id="13" fill="hold">
+                      <p:stCondLst>
+                        <p:cond delay="indefinite"/>
+                      </p:stCondLst>
+                      <p:childTnLst>
+                        <p:par>
+                          <p:cTn id="14" fill="hold">
+                            <p:stCondLst>
+                              <p:cond delay="0"/>
+                            </p:stCondLst>
+                            <p:childTnLst>
+                              <p:par>
+                                <p:cTn id="15" presetID="9" presetClass="entr" presetSubtype="0" fill="hold" grpId="0" nodeType="clickEffect">
+                                  <p:stCondLst>
+                                    <p:cond delay="0"/>
+                                  </p:stCondLst>
+                                  <p:childTnLst>
+                                    <p:set>
+                                      <p:cBhvr>
+                                        <p:cTn id="16" dur="1" fill="hold">
+                                          <p:stCondLst>
+                                            <p:cond delay="0"/>
+                                          </p:stCondLst>
+                                        </p:cTn>
+                                        <p:tgtEl>
+                                          <p:spTgt spid="4">
+                                            <p:txEl>
+                                              <p:pRg st="2" end="2"/>
+                                            </p:txEl>
+                                          </p:spTgt>
+                                        </p:tgtEl>
+                                        <p:attrNameLst>
+                                          <p:attrName>style.visibility</p:attrName>
+                                        </p:attrNameLst>
+                                      </p:cBhvr>
+                                      <p:to>
+                                        <p:strVal val="visible"/>
+                                      </p:to>
+                                    </p:set>
+                                    <p:animEffect transition="in" filter="dissolve">
+                                      <p:cBhvr>
+                                        <p:cTn id="17" dur="500"/>
+                                        <p:tgtEl>
+                                          <p:spTgt spid="4">
+                                            <p:txEl>
+                                              <p:pRg st="2" end="2"/>
+                                            </p:txEl>
+                                          </p:spTgt>
+                                        </p:tgtEl>
+                                      </p:cBhvr>
+                                    </p:animEffect>
+                                  </p:childTnLst>
+                                </p:cTn>
+                              </p:par>
+                            </p:childTnLst>
+                          </p:cTn>
+                        </p:par>
+                      </p:childTnLst>
+                    </p:cTn>
+                  </p:par>
+                  <p:par>
+                    <p:cTn id="18" fill="hold">
+                      <p:stCondLst>
+                        <p:cond delay="indefinite"/>
+                      </p:stCondLst>
+                      <p:childTnLst>
+                        <p:par>
+                          <p:cTn id="19" fill="hold">
+                            <p:stCondLst>
+                              <p:cond delay="0"/>
+                            </p:stCondLst>
+                            <p:childTnLst>
+                              <p:par>
+                                <p:cTn id="20" presetID="9" presetClass="entr" presetSubtype="0" fill="hold" grpId="0" nodeType="clickEffect">
+                                  <p:stCondLst>
+                                    <p:cond delay="0"/>
+                                  </p:stCondLst>
+                                  <p:childTnLst>
+                                    <p:set>
+                                      <p:cBhvr>
+                                        <p:cTn id="21" dur="1" fill="hold">
+                                          <p:stCondLst>
+                                            <p:cond delay="0"/>
+                                          </p:stCondLst>
+                                        </p:cTn>
+                                        <p:tgtEl>
+                                          <p:spTgt spid="4">
+                                            <p:txEl>
+                                              <p:pRg st="3" end="3"/>
+                                            </p:txEl>
+                                          </p:spTgt>
+                                        </p:tgtEl>
+                                        <p:attrNameLst>
+                                          <p:attrName>style.visibility</p:attrName>
+                                        </p:attrNameLst>
+                                      </p:cBhvr>
+                                      <p:to>
+                                        <p:strVal val="visible"/>
+                                      </p:to>
+                                    </p:set>
+                                    <p:animEffect transition="in" filter="dissolve">
+                                      <p:cBhvr>
+                                        <p:cTn id="22" dur="500"/>
+                                        <p:tgtEl>
+                                          <p:spTgt spid="4">
+                                            <p:txEl>
+                                              <p:pRg st="3" end="3"/>
+                                            </p:txEl>
+                                          </p:spTgt>
+                                        </p:tgtEl>
+                                      </p:cBhvr>
+                                    </p:animEffect>
+                                  </p:childTnLst>
+                                </p:cTn>
+                              </p:par>
+                            </p:childTnLst>
+                          </p:cTn>
+                        </p:par>
+                      </p:childTnLst>
+                    </p:cTn>
+                  </p:par>
+                  <p:par>
+                    <p:cTn id="23" fill="hold">
+                      <p:stCondLst>
+                        <p:cond delay="indefinite"/>
+                      </p:stCondLst>
+                      <p:childTnLst>
+                        <p:par>
+                          <p:cTn id="24" fill="hold">
+                            <p:stCondLst>
+                              <p:cond delay="0"/>
+                            </p:stCondLst>
+                            <p:childTnLst>
+                              <p:par>
+                                <p:cTn id="25" presetID="9" presetClass="entr" presetSubtype="0" fill="hold" grpId="0" nodeType="clickEffect">
+                                  <p:stCondLst>
+                                    <p:cond delay="0"/>
+                                  </p:stCondLst>
+                                  <p:childTnLst>
+                                    <p:set>
+                                      <p:cBhvr>
+                                        <p:cTn id="26" dur="1" fill="hold">
+                                          <p:stCondLst>
+                                            <p:cond delay="0"/>
+                                          </p:stCondLst>
+                                        </p:cTn>
+                                        <p:tgtEl>
+                                          <p:spTgt spid="4">
+                                            <p:txEl>
+                                              <p:pRg st="4" end="4"/>
+                                            </p:txEl>
+                                          </p:spTgt>
+                                        </p:tgtEl>
+                                        <p:attrNameLst>
+                                          <p:attrName>style.visibility</p:attrName>
+                                        </p:attrNameLst>
+                                      </p:cBhvr>
+                                      <p:to>
+                                        <p:strVal val="visible"/>
+                                      </p:to>
+                                    </p:set>
+                                    <p:animEffect transition="in" filter="dissolve">
+                                      <p:cBhvr>
+                                        <p:cTn id="27" dur="500"/>
+                                        <p:tgtEl>
+                                          <p:spTgt spid="4">
+                                            <p:txEl>
+                                              <p:pRg st="4" end="4"/>
+                                            </p:txEl>
+                                          </p:spTgt>
+                                        </p:tgtEl>
+                                      </p:cBhvr>
+                                    </p:animEffect>
+                                  </p:childTnLst>
+                                </p:cTn>
+                              </p:par>
+                            </p:childTnLst>
+                          </p:cTn>
+                        </p:par>
+                      </p:childTnLst>
+                    </p:cTn>
+                  </p:par>
+                  <p:par>
+                    <p:cTn id="28" fill="hold">
+                      <p:stCondLst>
+                        <p:cond delay="indefinite"/>
+                      </p:stCondLst>
+                      <p:childTnLst>
+                        <p:par>
+                          <p:cTn id="29" fill="hold">
+                            <p:stCondLst>
+                              <p:cond delay="0"/>
+                            </p:stCondLst>
+                            <p:childTnLst>
+                              <p:par>
+                                <p:cTn id="30" presetID="9" presetClass="entr" presetSubtype="0" fill="hold" grpId="0" nodeType="clickEffect">
+                                  <p:stCondLst>
+                                    <p:cond delay="0"/>
+                                  </p:stCondLst>
+                                  <p:childTnLst>
+                                    <p:set>
+                                      <p:cBhvr>
+                                        <p:cTn id="31" dur="1" fill="hold">
+                                          <p:stCondLst>
+                                            <p:cond delay="0"/>
+                                          </p:stCondLst>
+                                        </p:cTn>
+                                        <p:tgtEl>
+                                          <p:spTgt spid="4">
+                                            <p:txEl>
+                                              <p:pRg st="5" end="5"/>
+                                            </p:txEl>
+                                          </p:spTgt>
+                                        </p:tgtEl>
+                                        <p:attrNameLst>
+                                          <p:attrName>style.visibility</p:attrName>
+                                        </p:attrNameLst>
+                                      </p:cBhvr>
+                                      <p:to>
+                                        <p:strVal val="visible"/>
+                                      </p:to>
+                                    </p:set>
+                                    <p:animEffect transition="in" filter="dissolve">
+                                      <p:cBhvr>
+                                        <p:cTn id="32" dur="500"/>
+                                        <p:tgtEl>
+                                          <p:spTgt spid="4">
+                                            <p:txEl>
+                                              <p:pRg st="5" end="5"/>
+                                            </p:txEl>
+                                          </p:spTgt>
+                                        </p:tgtEl>
+                                      </p:cBhvr>
+                                    </p:animEffect>
+                                  </p:childTnLst>
+                                </p:cTn>
+                              </p:par>
+                            </p:childTnLst>
+                          </p:cTn>
+                        </p:par>
+                      </p:childTnLst>
+                    </p:cTn>
+                  </p:par>
+                  <p:par>
+                    <p:cTn id="33" fill="hold">
+                      <p:stCondLst>
+                        <p:cond delay="indefinite"/>
+                      </p:stCondLst>
+                      <p:childTnLst>
+                        <p:par>
+                          <p:cTn id="34" fill="hold">
+                            <p:stCondLst>
+                              <p:cond delay="0"/>
+                            </p:stCondLst>
+                            <p:childTnLst>
+                              <p:par>
+                                <p:cTn id="35" presetID="9" presetClass="entr" presetSubtype="0" fill="hold" grpId="0" nodeType="clickEffect">
+                                  <p:stCondLst>
+                                    <p:cond delay="0"/>
+                                  </p:stCondLst>
+                                  <p:childTnLst>
+                                    <p:set>
+                                      <p:cBhvr>
+                                        <p:cTn id="36" dur="1" fill="hold">
+                                          <p:stCondLst>
+                                            <p:cond delay="0"/>
+                                          </p:stCondLst>
+                                        </p:cTn>
+                                        <p:tgtEl>
+                                          <p:spTgt spid="4">
+                                            <p:txEl>
+                                              <p:pRg st="6" end="6"/>
+                                            </p:txEl>
+                                          </p:spTgt>
+                                        </p:tgtEl>
+                                        <p:attrNameLst>
+                                          <p:attrName>style.visibility</p:attrName>
+                                        </p:attrNameLst>
+                                      </p:cBhvr>
+                                      <p:to>
+                                        <p:strVal val="visible"/>
+                                      </p:to>
+                                    </p:set>
+                                    <p:animEffect transition="in" filter="dissolve">
+                                      <p:cBhvr>
+                                        <p:cTn id="37" dur="500"/>
+                                        <p:tgtEl>
+                                          <p:spTgt spid="4">
+                                            <p:txEl>
+                                              <p:pRg st="6" end="6"/>
+                                            </p:txEl>
+                                          </p:spTgt>
+                                        </p:tgtEl>
+                                      </p:cBhvr>
+                                    </p:animEffect>
+                                  </p:childTnLst>
+                                </p:cTn>
+                              </p:par>
+                            </p:childTnLst>
+                          </p:cTn>
+                        </p:par>
+                      </p:childTnLst>
+                    </p:cTn>
+                  </p:par>
+                </p:childTnLst>
+              </p:cTn>
+              <p:prevCondLst>
+                <p:cond evt="onPrev" delay="0">
+                  <p:tgtEl>
+                    <p:sldTgt/>
+                  </p:tgtEl>
+                </p:cond>
+              </p:prevCondLst>
+              <p:nextCondLst>
+                <p:cond evt="onNext" delay="0">
+                  <p:tgtEl>
+                    <p:sldTgt/>
+                  </p:tgtEl>
+                </p:cond>
+              </p:nextCondLst>
+            </p:seq>
+          </p:childTnLst>
+        </p:cTn>
       </p:par>
     </p:tnLst>
+    <p:bldLst>
+      <p:bldP spid="4" grpId="0" uiExpand="1" build="p"/>
+    </p:bldLst>
   </p:timing>
 </p:sld>
 </file>
